--- a/satrar.pptx
+++ b/satrar.pptx
@@ -130,7 +130,7 @@
   <pc:docChgLst>
     <pc:chgData name="昀昇 劉" userId="151ee332-0d7f-42a7-8a92-69173bef3669" providerId="ADAL" clId="{2FE01C16-D7DF-40F5-93C6-51DD819C4D82}"/>
     <pc:docChg chg="undo custSel addSld delSld modSld sldOrd">
-      <pc:chgData name="昀昇 劉" userId="151ee332-0d7f-42a7-8a92-69173bef3669" providerId="ADAL" clId="{2FE01C16-D7DF-40F5-93C6-51DD819C4D82}" dt="2021-12-17T09:13:37.531" v="1028" actId="2696"/>
+      <pc:chgData name="昀昇 劉" userId="151ee332-0d7f-42a7-8a92-69173bef3669" providerId="ADAL" clId="{2FE01C16-D7DF-40F5-93C6-51DD819C4D82}" dt="2021-12-27T09:10:26.989" v="1033" actId="20577"/>
       <pc:docMkLst>
         <pc:docMk/>
       </pc:docMkLst>
@@ -188,7 +188,7 @@
         </pc:spChg>
       </pc:sldChg>
       <pc:sldChg chg="modSp add">
-        <pc:chgData name="昀昇 劉" userId="151ee332-0d7f-42a7-8a92-69173bef3669" providerId="ADAL" clId="{2FE01C16-D7DF-40F5-93C6-51DD819C4D82}" dt="2021-12-17T09:11:09.980" v="947" actId="20577"/>
+        <pc:chgData name="昀昇 劉" userId="151ee332-0d7f-42a7-8a92-69173bef3669" providerId="ADAL" clId="{2FE01C16-D7DF-40F5-93C6-51DD819C4D82}" dt="2021-12-27T09:10:26.989" v="1033" actId="20577"/>
         <pc:sldMkLst>
           <pc:docMk/>
           <pc:sldMk cId="1827230240" sldId="269"/>
@@ -202,7 +202,7 @@
           </ac:spMkLst>
         </pc:spChg>
         <pc:spChg chg="mod">
-          <ac:chgData name="昀昇 劉" userId="151ee332-0d7f-42a7-8a92-69173bef3669" providerId="ADAL" clId="{2FE01C16-D7DF-40F5-93C6-51DD819C4D82}" dt="2021-12-17T09:11:09.980" v="947" actId="20577"/>
+          <ac:chgData name="昀昇 劉" userId="151ee332-0d7f-42a7-8a92-69173bef3669" providerId="ADAL" clId="{2FE01C16-D7DF-40F5-93C6-51DD819C4D82}" dt="2021-12-27T09:10:26.989" v="1033" actId="20577"/>
           <ac:spMkLst>
             <pc:docMk/>
             <pc:sldMk cId="1827230240" sldId="269"/>
@@ -461,7 +461,7 @@
             <a:fld id="{B61BEF0D-F0BB-DE4B-95CE-6DB70DBA9567}" type="datetimeFigureOut">
               <a:rPr lang="en-US" dirty="0"/>
               <a:pPr/>
-              <a:t>12/17/2021</a:t>
+              <a:t>12/21/2021</a:t>
             </a:fld>
             <a:endParaRPr lang="en-US" dirty="0"/>
           </a:p>
@@ -720,7 +720,7 @@
             <a:fld id="{B61BEF0D-F0BB-DE4B-95CE-6DB70DBA9567}" type="datetimeFigureOut">
               <a:rPr lang="en-US" dirty="0"/>
               <a:pPr/>
-              <a:t>12/17/2021</a:t>
+              <a:t>12/21/2021</a:t>
             </a:fld>
             <a:endParaRPr lang="en-US" dirty="0"/>
           </a:p>
@@ -952,7 +952,7 @@
             <a:fld id="{B61BEF0D-F0BB-DE4B-95CE-6DB70DBA9567}" type="datetimeFigureOut">
               <a:rPr lang="en-US" dirty="0"/>
               <a:pPr/>
-              <a:t>12/17/2021</a:t>
+              <a:t>12/21/2021</a:t>
             </a:fld>
             <a:endParaRPr lang="en-US" dirty="0"/>
           </a:p>
@@ -1189,7 +1189,7 @@
             <a:fld id="{B61BEF0D-F0BB-DE4B-95CE-6DB70DBA9567}" type="datetimeFigureOut">
               <a:rPr lang="en-US" dirty="0"/>
               <a:pPr/>
-              <a:t>12/17/2021</a:t>
+              <a:t>12/21/2021</a:t>
             </a:fld>
             <a:endParaRPr lang="en-US" dirty="0"/>
           </a:p>
@@ -1493,7 +1493,7 @@
             <a:fld id="{B61BEF0D-F0BB-DE4B-95CE-6DB70DBA9567}" type="datetimeFigureOut">
               <a:rPr lang="en-US" dirty="0"/>
               <a:pPr/>
-              <a:t>12/17/2021</a:t>
+              <a:t>12/21/2021</a:t>
             </a:fld>
             <a:endParaRPr lang="en-US" dirty="0"/>
           </a:p>
@@ -1792,7 +1792,7 @@
             <a:fld id="{B61BEF0D-F0BB-DE4B-95CE-6DB70DBA9567}" type="datetimeFigureOut">
               <a:rPr lang="en-US" dirty="0"/>
               <a:pPr/>
-              <a:t>12/17/2021</a:t>
+              <a:t>12/21/2021</a:t>
             </a:fld>
             <a:endParaRPr lang="en-US" dirty="0"/>
           </a:p>
@@ -2211,7 +2211,7 @@
             <a:fld id="{B61BEF0D-F0BB-DE4B-95CE-6DB70DBA9567}" type="datetimeFigureOut">
               <a:rPr lang="en-US" dirty="0"/>
               <a:pPr/>
-              <a:t>12/17/2021</a:t>
+              <a:t>12/21/2021</a:t>
             </a:fld>
             <a:endParaRPr lang="en-US" dirty="0"/>
           </a:p>
@@ -2370,7 +2370,7 @@
             <a:fld id="{B61BEF0D-F0BB-DE4B-95CE-6DB70DBA9567}" type="datetimeFigureOut">
               <a:rPr lang="en-US" dirty="0"/>
               <a:pPr/>
-              <a:t>12/17/2021</a:t>
+              <a:t>12/21/2021</a:t>
             </a:fld>
             <a:endParaRPr lang="en-US" dirty="0"/>
           </a:p>
@@ -2462,7 +2462,7 @@
             <a:fld id="{B61BEF0D-F0BB-DE4B-95CE-6DB70DBA9567}" type="datetimeFigureOut">
               <a:rPr lang="en-US" dirty="0"/>
               <a:pPr/>
-              <a:t>12/17/2021</a:t>
+              <a:t>12/21/2021</a:t>
             </a:fld>
             <a:endParaRPr lang="en-US" dirty="0"/>
           </a:p>
@@ -2837,7 +2837,7 @@
             <a:fld id="{B61BEF0D-F0BB-DE4B-95CE-6DB70DBA9567}" type="datetimeFigureOut">
               <a:rPr lang="en-US" dirty="0"/>
               <a:pPr/>
-              <a:t>12/17/2021</a:t>
+              <a:t>12/21/2021</a:t>
             </a:fld>
             <a:endParaRPr lang="en-US" dirty="0"/>
           </a:p>
@@ -3123,7 +3123,7 @@
             <a:fld id="{B61BEF0D-F0BB-DE4B-95CE-6DB70DBA9567}" type="datetimeFigureOut">
               <a:rPr lang="en-US" dirty="0"/>
               <a:pPr/>
-              <a:t>12/17/2021</a:t>
+              <a:t>12/21/2021</a:t>
             </a:fld>
             <a:endParaRPr lang="en-US" dirty="0"/>
           </a:p>
@@ -3331,7 +3331,7 @@
             <a:fld id="{B61BEF0D-F0BB-DE4B-95CE-6DB70DBA9567}" type="datetimeFigureOut">
               <a:rPr lang="en-US" dirty="0"/>
               <a:pPr/>
-              <a:t>12/17/2021</a:t>
+              <a:t>12/21/2021</a:t>
             </a:fld>
             <a:endParaRPr lang="en-US" dirty="0"/>
           </a:p>
@@ -5577,12 +5577,6 @@
                 </a:r>
               </a:p>
               <a:p>
-                <a:r>
-                  <a:rPr lang="en-US" altLang="zh-TW" sz="2000" dirty="0"/>
-                  <a:t>If </a:t>
-                </a:r>
-              </a:p>
-              <a:p>
                 <a:endParaRPr lang="zh-TW" altLang="en-US" sz="2000" dirty="0"/>
               </a:p>
             </p:txBody>
@@ -7350,8 +7344,8 @@
           </a:p>
         </p:txBody>
       </p:sp>
-      <mc:AlternateContent xmlns:mc="http://schemas.openxmlformats.org/markup-compatibility/2006">
-        <mc:Choice xmlns:a14="http://schemas.microsoft.com/office/drawing/2010/main" Requires="a14">
+      <mc:AlternateContent xmlns:mc="http://schemas.openxmlformats.org/markup-compatibility/2006" xmlns:a14="http://schemas.microsoft.com/office/drawing/2010/main">
+        <mc:Choice Requires="a14">
           <p:sp>
             <p:nvSpPr>
               <p:cNvPr id="3" name="Content Placeholder 2">
@@ -8803,7 +8797,7 @@
             </p:txBody>
           </p:sp>
         </mc:Choice>
-        <mc:Fallback>
+        <mc:Fallback xmlns="">
           <p:sp>
             <p:nvSpPr>
               <p:cNvPr id="3" name="Content Placeholder 2">
